--- a/Group 5.pptx
+++ b/Group 5.pptx
@@ -280,7 +280,7 @@
               <a:pPr>
                 <a:defRPr/>
               </a:pPr>
-              <a:t>25/03/2025</a:t>
+              <a:t>28/03/2025</a:t>
             </a:fld>
             <a:endParaRPr lang="en-GB"/>
           </a:p>
@@ -4279,7 +4279,7 @@
               <a:pPr>
                 <a:defRPr/>
               </a:pPr>
-              <a:t>25/03/2025</a:t>
+              <a:t>28/03/2025</a:t>
             </a:fld>
             <a:endParaRPr lang="en-GB"/>
           </a:p>
@@ -4476,7 +4476,7 @@
               <a:pPr>
                 <a:defRPr/>
               </a:pPr>
-              <a:t>25/03/2025</a:t>
+              <a:t>28/03/2025</a:t>
             </a:fld>
             <a:endParaRPr lang="en-GB"/>
           </a:p>
@@ -4683,7 +4683,7 @@
               <a:pPr>
                 <a:defRPr/>
               </a:pPr>
-              <a:t>25/03/2025</a:t>
+              <a:t>28/03/2025</a:t>
             </a:fld>
             <a:endParaRPr lang="en-GB"/>
           </a:p>
@@ -4880,7 +4880,7 @@
               <a:pPr>
                 <a:defRPr/>
               </a:pPr>
-              <a:t>25/03/2025</a:t>
+              <a:t>28/03/2025</a:t>
             </a:fld>
             <a:endParaRPr lang="en-GB"/>
           </a:p>
@@ -5153,7 +5153,7 @@
               <a:pPr>
                 <a:defRPr/>
               </a:pPr>
-              <a:t>25/03/2025</a:t>
+              <a:t>28/03/2025</a:t>
             </a:fld>
             <a:endParaRPr lang="en-GB"/>
           </a:p>
@@ -5468,7 +5468,7 @@
               <a:pPr>
                 <a:defRPr/>
               </a:pPr>
-              <a:t>25/03/2025</a:t>
+              <a:t>28/03/2025</a:t>
             </a:fld>
             <a:endParaRPr lang="en-GB"/>
           </a:p>
@@ -5917,7 +5917,7 @@
               <a:pPr>
                 <a:defRPr/>
               </a:pPr>
-              <a:t>25/03/2025</a:t>
+              <a:t>28/03/2025</a:t>
             </a:fld>
             <a:endParaRPr lang="en-GB"/>
           </a:p>
@@ -6062,7 +6062,7 @@
               <a:pPr>
                 <a:defRPr/>
               </a:pPr>
-              <a:t>25/03/2025</a:t>
+              <a:t>28/03/2025</a:t>
             </a:fld>
             <a:endParaRPr lang="en-GB"/>
           </a:p>
@@ -6184,7 +6184,7 @@
               <a:pPr>
                 <a:defRPr/>
               </a:pPr>
-              <a:t>25/03/2025</a:t>
+              <a:t>28/03/2025</a:t>
             </a:fld>
             <a:endParaRPr lang="en-GB"/>
           </a:p>
@@ -6488,7 +6488,7 @@
               <a:pPr>
                 <a:defRPr/>
               </a:pPr>
-              <a:t>25/03/2025</a:t>
+              <a:t>28/03/2025</a:t>
             </a:fld>
             <a:endParaRPr lang="en-GB"/>
           </a:p>
@@ -6771,7 +6771,7 @@
               <a:pPr>
                 <a:defRPr/>
               </a:pPr>
-              <a:t>25/03/2025</a:t>
+              <a:t>28/03/2025</a:t>
             </a:fld>
             <a:endParaRPr lang="en-GB"/>
           </a:p>
@@ -7138,7 +7138,7 @@
               <a:pPr>
                 <a:defRPr/>
               </a:pPr>
-              <a:t>25/03/2025</a:t>
+              <a:t>28/03/2025</a:t>
             </a:fld>
             <a:endParaRPr lang="en-GB"/>
           </a:p>
@@ -7858,6 +7858,13 @@
   <p:clrMapOvr>
     <a:masterClrMapping/>
   </p:clrMapOvr>
+  <p:timing>
+    <p:tnLst>
+      <p:par>
+        <p:cTn id="1" dur="indefinite" restart="never" nodeType="tmRoot"/>
+      </p:par>
+    </p:tnLst>
+  </p:timing>
 </p:sld>
 </file>
 
@@ -9812,7 +9819,7 @@
         </p:nvSpPr>
         <p:spPr>
           <a:xfrm>
-            <a:off x="250825" y="260648"/>
+            <a:off x="233360" y="260648"/>
             <a:ext cx="6842125" cy="936327"/>
           </a:xfrm>
         </p:spPr>
@@ -9911,6 +9918,36 @@
           </a:p>
         </p:txBody>
       </p:sp>
+      <p:pic>
+        <p:nvPicPr>
+          <p:cNvPr id="3" name="Picture 2"/>
+          <p:cNvPicPr>
+            <a:picLocks noChangeAspect="1"/>
+          </p:cNvPicPr>
+          <p:nvPr/>
+        </p:nvPicPr>
+        <p:blipFill>
+          <a:blip r:embed="rId3">
+            <a:extLst>
+              <a:ext uri="{28A0092B-C50C-407E-A947-70E740481C1C}">
+                <a14:useLocalDpi xmlns:a14="http://schemas.microsoft.com/office/drawing/2010/main" val="0"/>
+              </a:ext>
+            </a:extLst>
+          </a:blip>
+          <a:stretch>
+            <a:fillRect/>
+          </a:stretch>
+        </p:blipFill>
+        <p:spPr>
+          <a:xfrm>
+            <a:off x="6588224" y="-6995"/>
+            <a:ext cx="2555776" cy="1491780"/>
+          </a:xfrm>
+          <a:prstGeom prst="rect">
+            <a:avLst/>
+          </a:prstGeom>
+        </p:spPr>
+      </p:pic>
     </p:spTree>
     <p:extLst>
       <p:ext uri="{BB962C8B-B14F-4D97-AF65-F5344CB8AC3E}">
